--- a/S3 - DBI202/Slides/Chapter 8.pptx
+++ b/S3 - DBI202/Slides/Chapter 8.pptx
@@ -248,7 +248,7 @@
           <a:p>
             <a:fld id="{24B01E51-F0D7-4CCA-8A78-9770C78E6CA5}" type="datetimeFigureOut">
               <a:rPr lang="vi-VN" smtClean="0"/>
-              <a:t>17/12/2020</a:t>
+              <a:t>22/10/2025</a:t>
             </a:fld>
             <a:endParaRPr lang="vi-VN"/>
           </a:p>
@@ -1997,7 +1997,7 @@
           <a:p>
             <a:fld id="{32EA82E9-4562-4F83-B01A-F38F8BCC22ED}" type="datetime1">
               <a:rPr lang="vi-VN" smtClean="0"/>
-              <a:t>17/12/2020</a:t>
+              <a:t>22/10/2025</a:t>
             </a:fld>
             <a:endParaRPr lang="vi-VN"/>
           </a:p>
@@ -2240,7 +2240,7 @@
           <a:p>
             <a:fld id="{B10718B3-ED99-4563-B85C-ECD104C931B3}" type="datetime1">
               <a:rPr lang="vi-VN" smtClean="0"/>
-              <a:t>17/12/2020</a:t>
+              <a:t>22/10/2025</a:t>
             </a:fld>
             <a:endParaRPr lang="vi-VN"/>
           </a:p>
@@ -2499,7 +2499,7 @@
           <a:p>
             <a:fld id="{747D6EA9-D80F-4A20-A06E-04DF4DACA576}" type="datetime1">
               <a:rPr lang="vi-VN" smtClean="0"/>
-              <a:t>17/12/2020</a:t>
+              <a:t>22/10/2025</a:t>
             </a:fld>
             <a:endParaRPr lang="vi-VN"/>
           </a:p>
@@ -2712,7 +2712,7 @@
           <a:p>
             <a:fld id="{086EA429-13DC-45C0-A3EE-9DCFCD70E5DC}" type="datetime1">
               <a:rPr lang="vi-VN" smtClean="0"/>
-              <a:t>17/12/2020</a:t>
+              <a:t>22/10/2025</a:t>
             </a:fld>
             <a:endParaRPr lang="vi-VN"/>
           </a:p>
@@ -2915,7 +2915,7 @@
           <a:p>
             <a:fld id="{E35798AD-6C72-4956-A373-676A506C40EF}" type="datetime1">
               <a:rPr lang="vi-VN" smtClean="0"/>
-              <a:t>17/12/2020</a:t>
+              <a:t>22/10/2025</a:t>
             </a:fld>
             <a:endParaRPr lang="vi-VN"/>
           </a:p>
@@ -3194,7 +3194,7 @@
           <a:p>
             <a:fld id="{73E4FF05-7F99-4C24-8BFE-FBC7C218200F}" type="datetime1">
               <a:rPr lang="vi-VN" smtClean="0"/>
-              <a:t>17/12/2020</a:t>
+              <a:t>22/10/2025</a:t>
             </a:fld>
             <a:endParaRPr lang="vi-VN"/>
           </a:p>
@@ -3465,7 +3465,7 @@
           <a:p>
             <a:fld id="{89320092-C1ED-4690-AEB6-99CF5500392F}" type="datetime1">
               <a:rPr lang="vi-VN" smtClean="0"/>
-              <a:t>17/12/2020</a:t>
+              <a:t>22/10/2025</a:t>
             </a:fld>
             <a:endParaRPr lang="vi-VN"/>
           </a:p>
@@ -3883,7 +3883,7 @@
           <a:p>
             <a:fld id="{B1DEADEB-0CCF-4F0F-A909-E2A3715C7C2B}" type="datetime1">
               <a:rPr lang="vi-VN" smtClean="0"/>
-              <a:t>17/12/2020</a:t>
+              <a:t>22/10/2025</a:t>
             </a:fld>
             <a:endParaRPr lang="vi-VN"/>
           </a:p>
@@ -4028,7 +4028,7 @@
           <a:p>
             <a:fld id="{92357A54-4141-4592-950C-16FA24C9C92D}" type="datetime1">
               <a:rPr lang="vi-VN" smtClean="0"/>
-              <a:t>17/12/2020</a:t>
+              <a:t>22/10/2025</a:t>
             </a:fld>
             <a:endParaRPr lang="vi-VN"/>
           </a:p>
@@ -4144,7 +4144,7 @@
           <a:p>
             <a:fld id="{07FF8889-FA8A-46D0-8ED2-FFE39624AA9B}" type="datetime1">
               <a:rPr lang="vi-VN" smtClean="0"/>
-              <a:t>17/12/2020</a:t>
+              <a:t>22/10/2025</a:t>
             </a:fld>
             <a:endParaRPr lang="vi-VN"/>
           </a:p>
@@ -4460,7 +4460,7 @@
           <a:p>
             <a:fld id="{01BDD41A-F2D7-4FCA-8FA7-11DA3F65C116}" type="datetime1">
               <a:rPr lang="vi-VN" smtClean="0"/>
-              <a:t>17/12/2020</a:t>
+              <a:t>22/10/2025</a:t>
             </a:fld>
             <a:endParaRPr lang="vi-VN"/>
           </a:p>
@@ -4653,7 +4653,7 @@
           <a:p>
             <a:fld id="{F691B9CB-1E50-4FE3-AB17-3E755EB3E7AE}" type="datetime1">
               <a:rPr lang="vi-VN" smtClean="0"/>
-              <a:t>17/12/2020</a:t>
+              <a:t>22/10/2025</a:t>
             </a:fld>
             <a:endParaRPr lang="vi-VN"/>
           </a:p>
@@ -4933,7 +4933,7 @@
           <a:p>
             <a:fld id="{B0A1A7CF-5714-40F8-AAAA-94487DCF19FC}" type="datetime1">
               <a:rPr lang="vi-VN" smtClean="0"/>
-              <a:t>17/12/2020</a:t>
+              <a:t>22/10/2025</a:t>
             </a:fld>
             <a:endParaRPr lang="vi-VN"/>
           </a:p>
@@ -5136,7 +5136,7 @@
           <a:p>
             <a:fld id="{69E70C5E-8D16-421A-B743-405D0485AD62}" type="datetime1">
               <a:rPr lang="vi-VN" smtClean="0"/>
-              <a:t>17/12/2020</a:t>
+              <a:t>22/10/2025</a:t>
             </a:fld>
             <a:endParaRPr lang="vi-VN"/>
           </a:p>
@@ -5349,7 +5349,7 @@
           <a:p>
             <a:fld id="{D409F73A-504B-4D84-BEDA-4C61F5ECA067}" type="datetime1">
               <a:rPr lang="vi-VN" smtClean="0"/>
-              <a:t>17/12/2020</a:t>
+              <a:t>22/10/2025</a:t>
             </a:fld>
             <a:endParaRPr lang="vi-VN"/>
           </a:p>
@@ -5707,7 +5707,7 @@
           <a:p>
             <a:fld id="{6F49E160-4848-4864-AEC4-24B6E891F0F0}" type="datetime1">
               <a:rPr lang="vi-VN" smtClean="0"/>
-              <a:t>17/12/2020</a:t>
+              <a:t>22/10/2025</a:t>
             </a:fld>
             <a:endParaRPr lang="vi-VN"/>
           </a:p>
@@ -6017,7 +6017,7 @@
           <a:p>
             <a:fld id="{0C1A2301-1698-4650-B71C-0FDB165301D5}" type="datetime1">
               <a:rPr lang="vi-VN" smtClean="0"/>
-              <a:t>17/12/2020</a:t>
+              <a:t>22/10/2025</a:t>
             </a:fld>
             <a:endParaRPr lang="vi-VN"/>
           </a:p>
@@ -6399,7 +6399,7 @@
           <a:p>
             <a:fld id="{E1527B32-CAEB-42E2-9C60-7E479724BA7B}" type="datetime1">
               <a:rPr lang="vi-VN" smtClean="0"/>
-              <a:t>17/12/2020</a:t>
+              <a:t>22/10/2025</a:t>
             </a:fld>
             <a:endParaRPr lang="vi-VN"/>
           </a:p>
@@ -6520,7 +6520,7 @@
           <a:p>
             <a:fld id="{88126EB9-63E8-4B0E-A5FA-52334294B532}" type="datetime1">
               <a:rPr lang="vi-VN" smtClean="0"/>
-              <a:t>17/12/2020</a:t>
+              <a:t>22/10/2025</a:t>
             </a:fld>
             <a:endParaRPr lang="vi-VN"/>
           </a:p>
@@ -6694,7 +6694,7 @@
           <a:p>
             <a:fld id="{683A55A7-CC4B-4AF1-9E57-CAEE53A09BD0}" type="datetime1">
               <a:rPr lang="vi-VN" smtClean="0"/>
-              <a:t>17/12/2020</a:t>
+              <a:t>22/10/2025</a:t>
             </a:fld>
             <a:endParaRPr lang="vi-VN"/>
           </a:p>
@@ -7051,7 +7051,7 @@
           <a:p>
             <a:fld id="{16465C0B-0400-4DBA-BF61-BC857C25F773}" type="datetime1">
               <a:rPr lang="vi-VN" smtClean="0"/>
-              <a:t>17/12/2020</a:t>
+              <a:t>22/10/2025</a:t>
             </a:fld>
             <a:endParaRPr lang="vi-VN"/>
           </a:p>
@@ -7436,7 +7436,7 @@
           <a:p>
             <a:fld id="{07D77CB2-C7A5-466A-9BC6-4AF78CB56312}" type="datetime1">
               <a:rPr lang="vi-VN" smtClean="0"/>
-              <a:t>17/12/2020</a:t>
+              <a:t>22/10/2025</a:t>
             </a:fld>
             <a:endParaRPr lang="vi-VN"/>
           </a:p>
@@ -7724,7 +7724,7 @@
           <a:p>
             <a:fld id="{093FEB07-2F49-4422-9A2E-9730A92F475B}" type="datetime1">
               <a:rPr lang="vi-VN" smtClean="0"/>
-              <a:t>17/12/2020</a:t>
+              <a:t>22/10/2025</a:t>
             </a:fld>
             <a:endParaRPr lang="vi-VN"/>
           </a:p>
@@ -8437,7 +8437,7 @@
           <a:p>
             <a:fld id="{8847AB11-30AD-4B45-BC99-BF80171C21C5}" type="datetime1">
               <a:rPr lang="vi-VN" smtClean="0"/>
-              <a:t>17/12/2020</a:t>
+              <a:t>22/10/2025</a:t>
             </a:fld>
             <a:endParaRPr lang="vi-VN"/>
           </a:p>
@@ -11998,7 +11998,7 @@
                 <a:latin typeface="Courier New" pitchFamily="49" charset="0"/>
                 <a:cs typeface="Courier New" pitchFamily="49" charset="0"/>
               </a:rPr>
-              <a:t>	VALUES(6, </a:t>
+              <a:t>		VALUES(6, </a:t>
             </a:r>
             <a:r>
               <a:rPr lang="en-US" sz="1600" b="1" dirty="0" err="1">
@@ -12131,7 +12131,7 @@
                 <a:latin typeface="Courier New" pitchFamily="49" charset="0"/>
                 <a:cs typeface="Courier New" pitchFamily="49" charset="0"/>
               </a:rPr>
-              <a:t>	VALUES(6, </a:t>
+              <a:t>		VALUES(6, </a:t>
             </a:r>
             <a:r>
               <a:rPr lang="en-US" sz="1600" b="1" dirty="0" err="1">
@@ -12751,7 +12751,7 @@
         <p:spPr>
           <a:xfrm>
             <a:off x="938076" y="2785743"/>
-            <a:ext cx="7620000" cy="3785652"/>
+            <a:ext cx="7620000" cy="3539430"/>
           </a:xfrm>
           <a:prstGeom prst="rect">
             <a:avLst/>
@@ -12770,7 +12770,7 @@
           <a:lstStyle/>
           <a:p>
             <a:r>
-              <a:rPr lang="en-US" sz="1600" b="1" dirty="0">
+              <a:rPr lang="en-US" sz="1400" b="1" dirty="0">
                 <a:solidFill>
                   <a:srgbClr val="0000FF"/>
                 </a:solidFill>
@@ -12782,7 +12782,7 @@
           </a:p>
           <a:p>
             <a:r>
-              <a:rPr lang="en-US" sz="1600" b="1" dirty="0">
+              <a:rPr lang="en-US" sz="1400" b="1" dirty="0">
                 <a:solidFill>
                   <a:srgbClr val="0000FF"/>
                 </a:solidFill>
@@ -12794,7 +12794,7 @@
           </a:p>
           <a:p>
             <a:r>
-              <a:rPr lang="en-US" sz="1600" b="1" dirty="0">
+              <a:rPr lang="en-US" sz="1400" b="1" dirty="0">
                 <a:solidFill>
                   <a:srgbClr val="0000FF"/>
                 </a:solidFill>
@@ -12804,7 +12804,7 @@
               <a:t>	--</a:t>
             </a:r>
             <a:r>
-              <a:rPr lang="en-US" sz="1600" b="1" dirty="0" err="1">
+              <a:rPr lang="en-US" sz="1400" b="1" dirty="0" err="1">
                 <a:solidFill>
                   <a:srgbClr val="0000FF"/>
                 </a:solidFill>
@@ -12813,7 +12813,7 @@
               </a:rPr>
               <a:t>oparations</a:t>
             </a:r>
-            <a:endParaRPr lang="en-US" sz="1600" b="1" dirty="0">
+            <a:endParaRPr lang="en-US" sz="1400" b="1" dirty="0">
               <a:solidFill>
                 <a:srgbClr val="0000FF"/>
               </a:solidFill>
@@ -12823,7 +12823,7 @@
           </a:p>
           <a:p>
             <a:r>
-              <a:rPr lang="en-US" sz="1600" b="1" dirty="0">
+              <a:rPr lang="en-US" sz="1400" b="1" dirty="0">
                 <a:solidFill>
                   <a:srgbClr val="0000FF"/>
                 </a:solidFill>
@@ -12833,7 +12833,7 @@
               <a:t>	INSERT INTO </a:t>
             </a:r>
             <a:r>
-              <a:rPr lang="en-US" sz="1600" b="1" dirty="0" err="1">
+              <a:rPr lang="en-US" sz="1400" b="1" dirty="0" err="1">
                 <a:solidFill>
                   <a:srgbClr val="0000FF"/>
                 </a:solidFill>
@@ -12843,7 +12843,7 @@
               <a:t>tblDepartment</a:t>
             </a:r>
             <a:r>
-              <a:rPr lang="en-US" sz="1600" b="1" dirty="0">
+              <a:rPr lang="en-US" sz="1400" b="1" dirty="0">
                 <a:solidFill>
                   <a:srgbClr val="0000FF"/>
                 </a:solidFill>
@@ -12853,7 +12853,7 @@
               <a:t>(</a:t>
             </a:r>
             <a:r>
-              <a:rPr lang="en-US" sz="1600" b="1" dirty="0" err="1">
+              <a:rPr lang="en-US" sz="1400" b="1" dirty="0" err="1">
                 <a:solidFill>
                   <a:srgbClr val="0000FF"/>
                 </a:solidFill>
@@ -12863,7 +12863,7 @@
               <a:t>depNum,depName</a:t>
             </a:r>
             <a:r>
-              <a:rPr lang="en-US" sz="1600" b="1" dirty="0">
+              <a:rPr lang="en-US" sz="1400" b="1" dirty="0">
                 <a:solidFill>
                   <a:srgbClr val="0000FF"/>
                 </a:solidFill>
@@ -12875,17 +12875,17 @@
           </a:p>
           <a:p>
             <a:r>
-              <a:rPr lang="en-US" sz="1600" b="1" dirty="0">
-                <a:solidFill>
-                  <a:srgbClr val="0000FF"/>
-                </a:solidFill>
-                <a:latin typeface="Courier New" pitchFamily="49" charset="0"/>
-                <a:cs typeface="Courier New" pitchFamily="49" charset="0"/>
-              </a:rPr>
-              <a:t>	VALUES(6, </a:t>
-            </a:r>
-            <a:r>
-              <a:rPr lang="en-US" sz="1600" b="1" dirty="0" err="1">
+              <a:rPr lang="en-US" sz="1400" b="1" dirty="0">
+                <a:solidFill>
+                  <a:srgbClr val="0000FF"/>
+                </a:solidFill>
+                <a:latin typeface="Courier New" pitchFamily="49" charset="0"/>
+                <a:cs typeface="Courier New" pitchFamily="49" charset="0"/>
+              </a:rPr>
+              <a:t>		VALUES(6, </a:t>
+            </a:r>
+            <a:r>
+              <a:rPr lang="en-US" sz="1400" b="1" dirty="0" err="1">
                 <a:solidFill>
                   <a:srgbClr val="0000FF"/>
                 </a:solidFill>
@@ -12895,7 +12895,7 @@
               <a:t>N'Phòng</a:t>
             </a:r>
             <a:r>
-              <a:rPr lang="en-US" sz="1600" b="1" dirty="0">
+              <a:rPr lang="en-US" sz="1400" b="1" dirty="0">
                 <a:solidFill>
                   <a:srgbClr val="0000FF"/>
                 </a:solidFill>
@@ -12905,7 +12905,7 @@
               <a:t> </a:t>
             </a:r>
             <a:r>
-              <a:rPr lang="en-US" sz="1600" b="1" dirty="0" err="1">
+              <a:rPr lang="en-US" sz="1400" b="1" dirty="0" err="1">
                 <a:solidFill>
                   <a:srgbClr val="0000FF"/>
                 </a:solidFill>
@@ -12915,7 +12915,7 @@
               <a:t>Kế</a:t>
             </a:r>
             <a:r>
-              <a:rPr lang="en-US" sz="1600" b="1" dirty="0">
+              <a:rPr lang="en-US" sz="1400" b="1" dirty="0">
                 <a:solidFill>
                   <a:srgbClr val="0000FF"/>
                 </a:solidFill>
@@ -12925,7 +12925,7 @@
               <a:t> </a:t>
             </a:r>
             <a:r>
-              <a:rPr lang="en-US" sz="1600" b="1" dirty="0" err="1">
+              <a:rPr lang="en-US" sz="1400" b="1" dirty="0" err="1">
                 <a:solidFill>
                   <a:srgbClr val="0000FF"/>
                 </a:solidFill>
@@ -12935,7 +12935,7 @@
               <a:t>Toán</a:t>
             </a:r>
             <a:r>
-              <a:rPr lang="en-US" sz="1600" b="1" dirty="0">
+              <a:rPr lang="en-US" sz="1400" b="1" dirty="0">
                 <a:solidFill>
                   <a:srgbClr val="0000FF"/>
                 </a:solidFill>
@@ -12946,7 +12946,7 @@
             </a:r>
           </a:p>
           <a:p>
-            <a:endParaRPr lang="en-US" sz="1600" b="1" dirty="0">
+            <a:endParaRPr lang="en-US" sz="1400" b="1" dirty="0">
               <a:solidFill>
                 <a:srgbClr val="0000FF"/>
               </a:solidFill>
@@ -12956,7 +12956,7 @@
           </a:p>
           <a:p>
             <a:r>
-              <a:rPr lang="en-US" sz="1600" b="1" dirty="0">
+              <a:rPr lang="en-US" sz="1400" b="1" dirty="0">
                 <a:solidFill>
                   <a:srgbClr val="0000FF"/>
                 </a:solidFill>
@@ -12966,7 +12966,7 @@
               <a:t>	INSERT INTO </a:t>
             </a:r>
             <a:r>
-              <a:rPr lang="en-US" sz="1600" b="1" dirty="0" err="1">
+              <a:rPr lang="en-US" sz="1400" b="1" dirty="0" err="1">
                 <a:solidFill>
                   <a:srgbClr val="0000FF"/>
                 </a:solidFill>
@@ -12976,7 +12976,7 @@
               <a:t>tblDepartment</a:t>
             </a:r>
             <a:r>
-              <a:rPr lang="en-US" sz="1600" b="1" dirty="0">
+              <a:rPr lang="en-US" sz="1400" b="1" dirty="0">
                 <a:solidFill>
                   <a:srgbClr val="0000FF"/>
                 </a:solidFill>
@@ -12986,7 +12986,7 @@
               <a:t>(</a:t>
             </a:r>
             <a:r>
-              <a:rPr lang="en-US" sz="1600" b="1" dirty="0" err="1">
+              <a:rPr lang="en-US" sz="1400" b="1" dirty="0" err="1">
                 <a:solidFill>
                   <a:srgbClr val="0000FF"/>
                 </a:solidFill>
@@ -12996,7 +12996,7 @@
               <a:t>depNum,depName</a:t>
             </a:r>
             <a:r>
-              <a:rPr lang="en-US" sz="1600" b="1" dirty="0">
+              <a:rPr lang="en-US" sz="1400" b="1" dirty="0">
                 <a:solidFill>
                   <a:srgbClr val="0000FF"/>
                 </a:solidFill>
@@ -13008,17 +13008,17 @@
           </a:p>
           <a:p>
             <a:r>
-              <a:rPr lang="en-US" sz="1600" b="1" dirty="0">
-                <a:solidFill>
-                  <a:srgbClr val="0000FF"/>
-                </a:solidFill>
-                <a:latin typeface="Courier New" pitchFamily="49" charset="0"/>
-                <a:cs typeface="Courier New" pitchFamily="49" charset="0"/>
-              </a:rPr>
-              <a:t>	VALUES(6, </a:t>
-            </a:r>
-            <a:r>
-              <a:rPr lang="en-US" sz="1600" b="1" dirty="0" err="1">
+              <a:rPr lang="en-US" sz="1400" b="1" dirty="0">
+                <a:solidFill>
+                  <a:srgbClr val="0000FF"/>
+                </a:solidFill>
+                <a:latin typeface="Courier New" pitchFamily="49" charset="0"/>
+                <a:cs typeface="Courier New" pitchFamily="49" charset="0"/>
+              </a:rPr>
+              <a:t>		VALUES(6, </a:t>
+            </a:r>
+            <a:r>
+              <a:rPr lang="en-US" sz="1400" b="1" dirty="0" err="1">
                 <a:solidFill>
                   <a:srgbClr val="0000FF"/>
                 </a:solidFill>
@@ -13028,7 +13028,7 @@
               <a:t>N'Phòng</a:t>
             </a:r>
             <a:r>
-              <a:rPr lang="en-US" sz="1600" b="1" dirty="0">
+              <a:rPr lang="en-US" sz="1400" b="1" dirty="0">
                 <a:solidFill>
                   <a:srgbClr val="0000FF"/>
                 </a:solidFill>
@@ -13038,7 +13038,7 @@
               <a:t> </a:t>
             </a:r>
             <a:r>
-              <a:rPr lang="en-US" sz="1600" b="1" dirty="0" err="1">
+              <a:rPr lang="en-US" sz="1400" b="1" dirty="0" err="1">
                 <a:solidFill>
                   <a:srgbClr val="0000FF"/>
                 </a:solidFill>
@@ -13048,7 +13048,7 @@
               <a:t>Kế</a:t>
             </a:r>
             <a:r>
-              <a:rPr lang="en-US" sz="1600" b="1" dirty="0">
+              <a:rPr lang="en-US" sz="1400" b="1" dirty="0">
                 <a:solidFill>
                   <a:srgbClr val="0000FF"/>
                 </a:solidFill>
@@ -13058,7 +13058,7 @@
               <a:t> </a:t>
             </a:r>
             <a:r>
-              <a:rPr lang="en-US" sz="1600" b="1" dirty="0" err="1">
+              <a:rPr lang="en-US" sz="1400" b="1" dirty="0" err="1">
                 <a:solidFill>
                   <a:srgbClr val="0000FF"/>
                 </a:solidFill>
@@ -13068,19 +13068,28 @@
               <a:t>Toán</a:t>
             </a:r>
             <a:r>
-              <a:rPr lang="en-US" sz="1600" b="1" dirty="0">
-                <a:solidFill>
-                  <a:srgbClr val="0000FF"/>
-                </a:solidFill>
-                <a:latin typeface="Courier New" pitchFamily="49" charset="0"/>
-                <a:cs typeface="Courier New" pitchFamily="49" charset="0"/>
-              </a:rPr>
-              <a:t>');</a:t>
-            </a:r>
-          </a:p>
-          <a:p>
-            <a:r>
-              <a:rPr lang="en-US" sz="1600" b="1" dirty="0">
+              <a:rPr lang="en-US" sz="1400" b="1" dirty="0">
+                <a:solidFill>
+                  <a:srgbClr val="0000FF"/>
+                </a:solidFill>
+                <a:latin typeface="Courier New" pitchFamily="49" charset="0"/>
+                <a:cs typeface="Courier New" pitchFamily="49" charset="0"/>
+              </a:rPr>
+              <a:t>’);</a:t>
+            </a:r>
+          </a:p>
+          <a:p>
+            <a:endParaRPr lang="en-US" sz="1400" b="1" dirty="0">
+              <a:solidFill>
+                <a:srgbClr val="0000FF"/>
+              </a:solidFill>
+              <a:latin typeface="Courier New" pitchFamily="49" charset="0"/>
+              <a:cs typeface="Courier New" pitchFamily="49" charset="0"/>
+            </a:endParaRPr>
+          </a:p>
+          <a:p>
+            <a:r>
+              <a:rPr lang="en-US" sz="1400" b="1" dirty="0">
                 <a:solidFill>
                   <a:srgbClr val="0000FF"/>
                 </a:solidFill>
@@ -13092,7 +13101,7 @@
           </a:p>
           <a:p>
             <a:r>
-              <a:rPr lang="en-US" sz="1600" b="1" dirty="0">
+              <a:rPr lang="en-US" sz="1400" b="1" dirty="0">
                 <a:solidFill>
                   <a:srgbClr val="0000FF"/>
                 </a:solidFill>
@@ -13104,7 +13113,7 @@
           </a:p>
           <a:p>
             <a:r>
-              <a:rPr lang="en-US" sz="1600" b="1" dirty="0">
+              <a:rPr lang="en-US" sz="1400" b="1" dirty="0">
                 <a:solidFill>
                   <a:srgbClr val="0000FF"/>
                 </a:solidFill>
@@ -13116,7 +13125,7 @@
           </a:p>
           <a:p>
             <a:r>
-              <a:rPr lang="en-US" sz="1600" b="1" dirty="0">
+              <a:rPr lang="en-US" sz="1400" b="1" dirty="0">
                 <a:solidFill>
                   <a:srgbClr val="0000FF"/>
                 </a:solidFill>
@@ -13128,7 +13137,7 @@
           </a:p>
           <a:p>
             <a:r>
-              <a:rPr lang="en-US" sz="1600" b="1" dirty="0">
+              <a:rPr lang="en-US" sz="1400" b="1" dirty="0">
                 <a:solidFill>
                   <a:srgbClr val="0000FF"/>
                 </a:solidFill>
@@ -13140,7 +13149,7 @@
           </a:p>
           <a:p>
             <a:r>
-              <a:rPr lang="en-US" sz="1600" b="1" dirty="0">
+              <a:rPr lang="en-US" sz="1400" b="1" dirty="0">
                 <a:solidFill>
                   <a:srgbClr val="0000FF"/>
                 </a:solidFill>
@@ -13152,7 +13161,7 @@
           </a:p>
           <a:p>
             <a:r>
-              <a:rPr lang="en-US" sz="1600" b="1" dirty="0">
+              <a:rPr lang="en-US" sz="1400" b="1" dirty="0">
                 <a:solidFill>
                   <a:srgbClr val="0000FF"/>
                 </a:solidFill>
